--- a/Docs/EA-Improvements/C2 Improvments.pptx
+++ b/Docs/EA-Improvements/C2 Improvments.pptx
@@ -333,7 +333,7 @@
           <a:p>
             <a:fld id="{6D67FBC8-1C16-4109-91EA-06AD16B7DDE4}" type="datetimeFigureOut">
               <a:rPr lang="en-IN" smtClean="0"/>
-              <a:t>21-10-2025</a:t>
+              <a:t>24-10-2025</a:t>
             </a:fld>
             <a:endParaRPr lang="en-IN"/>
           </a:p>
@@ -533,7 +533,7 @@
           <a:p>
             <a:fld id="{6D67FBC8-1C16-4109-91EA-06AD16B7DDE4}" type="datetimeFigureOut">
               <a:rPr lang="en-IN" smtClean="0"/>
-              <a:t>21-10-2025</a:t>
+              <a:t>24-10-2025</a:t>
             </a:fld>
             <a:endParaRPr lang="en-IN"/>
           </a:p>
@@ -743,7 +743,7 @@
           <a:p>
             <a:fld id="{6D67FBC8-1C16-4109-91EA-06AD16B7DDE4}" type="datetimeFigureOut">
               <a:rPr lang="en-IN" smtClean="0"/>
-              <a:t>21-10-2025</a:t>
+              <a:t>24-10-2025</a:t>
             </a:fld>
             <a:endParaRPr lang="en-IN"/>
           </a:p>
@@ -943,7 +943,7 @@
           <a:p>
             <a:fld id="{6D67FBC8-1C16-4109-91EA-06AD16B7DDE4}" type="datetimeFigureOut">
               <a:rPr lang="en-IN" smtClean="0"/>
-              <a:t>21-10-2025</a:t>
+              <a:t>24-10-2025</a:t>
             </a:fld>
             <a:endParaRPr lang="en-IN"/>
           </a:p>
@@ -1219,7 +1219,7 @@
           <a:p>
             <a:fld id="{6D67FBC8-1C16-4109-91EA-06AD16B7DDE4}" type="datetimeFigureOut">
               <a:rPr lang="en-IN" smtClean="0"/>
-              <a:t>21-10-2025</a:t>
+              <a:t>24-10-2025</a:t>
             </a:fld>
             <a:endParaRPr lang="en-IN"/>
           </a:p>
@@ -1487,7 +1487,7 @@
           <a:p>
             <a:fld id="{6D67FBC8-1C16-4109-91EA-06AD16B7DDE4}" type="datetimeFigureOut">
               <a:rPr lang="en-IN" smtClean="0"/>
-              <a:t>21-10-2025</a:t>
+              <a:t>24-10-2025</a:t>
             </a:fld>
             <a:endParaRPr lang="en-IN"/>
           </a:p>
@@ -1902,7 +1902,7 @@
           <a:p>
             <a:fld id="{6D67FBC8-1C16-4109-91EA-06AD16B7DDE4}" type="datetimeFigureOut">
               <a:rPr lang="en-IN" smtClean="0"/>
-              <a:t>21-10-2025</a:t>
+              <a:t>24-10-2025</a:t>
             </a:fld>
             <a:endParaRPr lang="en-IN"/>
           </a:p>
@@ -2044,7 +2044,7 @@
           <a:p>
             <a:fld id="{6D67FBC8-1C16-4109-91EA-06AD16B7DDE4}" type="datetimeFigureOut">
               <a:rPr lang="en-IN" smtClean="0"/>
-              <a:t>21-10-2025</a:t>
+              <a:t>24-10-2025</a:t>
             </a:fld>
             <a:endParaRPr lang="en-IN"/>
           </a:p>
@@ -2157,7 +2157,7 @@
           <a:p>
             <a:fld id="{6D67FBC8-1C16-4109-91EA-06AD16B7DDE4}" type="datetimeFigureOut">
               <a:rPr lang="en-IN" smtClean="0"/>
-              <a:t>21-10-2025</a:t>
+              <a:t>24-10-2025</a:t>
             </a:fld>
             <a:endParaRPr lang="en-IN"/>
           </a:p>
@@ -2470,7 +2470,7 @@
           <a:p>
             <a:fld id="{6D67FBC8-1C16-4109-91EA-06AD16B7DDE4}" type="datetimeFigureOut">
               <a:rPr lang="en-IN" smtClean="0"/>
-              <a:t>21-10-2025</a:t>
+              <a:t>24-10-2025</a:t>
             </a:fld>
             <a:endParaRPr lang="en-IN"/>
           </a:p>
@@ -2759,7 +2759,7 @@
           <a:p>
             <a:fld id="{6D67FBC8-1C16-4109-91EA-06AD16B7DDE4}" type="datetimeFigureOut">
               <a:rPr lang="en-IN" smtClean="0"/>
-              <a:t>21-10-2025</a:t>
+              <a:t>24-10-2025</a:t>
             </a:fld>
             <a:endParaRPr lang="en-IN"/>
           </a:p>
@@ -3002,7 +3002,7 @@
           <a:p>
             <a:fld id="{6D67FBC8-1C16-4109-91EA-06AD16B7DDE4}" type="datetimeFigureOut">
               <a:rPr lang="en-IN" smtClean="0"/>
-              <a:t>21-10-2025</a:t>
+              <a:t>24-10-2025</a:t>
             </a:fld>
             <a:endParaRPr lang="en-IN"/>
           </a:p>
@@ -3444,6 +3444,14 @@
               <a:rPr lang="en-IN" dirty="0"/>
               <a:t>C2 Improvements</a:t>
             </a:r>
+            <a:br>
+              <a:rPr lang="en-IN" dirty="0"/>
+            </a:br>
+            <a:r>
+              <a:rPr lang="en-IN" sz="3600" dirty="0"/>
+              <a:t>Jatin Bhateja</a:t>
+            </a:r>
+            <a:endParaRPr lang="en-IN" dirty="0"/>
           </a:p>
         </p:txBody>
       </p:sp>
